--- a/Time Series Forecasting for Covid-19.pptx
+++ b/Time Series Forecasting for Covid-19.pptx
@@ -3494,7 +3494,7 @@
           <a:p>
             <a:fld id="{FD8BABB8-7703-4545-854F-FA9D48E62B3A}" type="datetimeFigureOut">
               <a:rPr lang="en-US" smtClean="0"/>
-              <a:t>10/21/2020</a:t>
+              <a:t>10/24/2020</a:t>
             </a:fld>
             <a:endParaRPr lang="en-US"/>
           </a:p>
@@ -3671,7 +3671,7 @@
           <a:p>
             <a:fld id="{91A5968F-CB29-4838-9042-A90B29937301}" type="datetimeFigureOut">
               <a:rPr lang="en-US" smtClean="0"/>
-              <a:t>10/21/2020</a:t>
+              <a:t>10/24/2020</a:t>
             </a:fld>
             <a:endParaRPr lang="en-US"/>
           </a:p>
@@ -4150,6 +4150,121 @@
             </a:r>
           </a:p>
           <a:p>
+            <a:pPr marL="171450" marR="0" lvl="0" indent="-171450" algn="l" defTabSz="914400" rtl="0" eaLnBrk="1" fontAlgn="auto" latinLnBrk="0" hangingPunct="1">
+              <a:lnSpc>
+                <a:spcPct val="100000"/>
+              </a:lnSpc>
+              <a:spcBef>
+                <a:spcPts val="0"/>
+              </a:spcBef>
+              <a:spcAft>
+                <a:spcPts val="0"/>
+              </a:spcAft>
+              <a:buClrTx/>
+              <a:buSzTx/>
+              <a:buFont typeface="Arial" panose="020B0604020202020204" pitchFamily="34" charset="0"/>
+              <a:buChar char="•"/>
+              <a:tabLst/>
+              <a:defRPr/>
+            </a:pPr>
+            <a:r>
+              <a:rPr lang="en-US" dirty="0"/>
+              <a:t>Input sequences are split into subsequences that can be processed by the CNN</a:t>
+            </a:r>
+          </a:p>
+          <a:p>
+            <a:pPr marL="171450" marR="0" lvl="0" indent="-171450" algn="l" defTabSz="914400" rtl="0" eaLnBrk="1" fontAlgn="auto" latinLnBrk="0" hangingPunct="1">
+              <a:lnSpc>
+                <a:spcPct val="100000"/>
+              </a:lnSpc>
+              <a:spcBef>
+                <a:spcPts val="0"/>
+              </a:spcBef>
+              <a:spcAft>
+                <a:spcPts val="0"/>
+              </a:spcAft>
+              <a:buClrTx/>
+              <a:buSzTx/>
+              <a:buFont typeface="Arial" panose="020B0604020202020204" pitchFamily="34" charset="0"/>
+              <a:buChar char="•"/>
+              <a:tabLst/>
+              <a:defRPr/>
+            </a:pPr>
+            <a:r>
+              <a:rPr lang="en-US" dirty="0"/>
+              <a:t>The CNN can interpret each subsequence of two time steps and provide a time series of interpretations of the subsequences to the LSTM model to process as input</a:t>
+            </a:r>
+          </a:p>
+          <a:p>
+            <a:pPr marL="171450" marR="0" lvl="0" indent="-171450" algn="l" defTabSz="914400" rtl="0" eaLnBrk="1" fontAlgn="auto" latinLnBrk="0" hangingPunct="1">
+              <a:lnSpc>
+                <a:spcPct val="100000"/>
+              </a:lnSpc>
+              <a:spcBef>
+                <a:spcPts val="0"/>
+              </a:spcBef>
+              <a:spcAft>
+                <a:spcPts val="0"/>
+              </a:spcAft>
+              <a:buClrTx/>
+              <a:buSzTx/>
+              <a:buFont typeface="Arial" panose="020B0604020202020204" pitchFamily="34" charset="0"/>
+              <a:buChar char="•"/>
+              <a:tabLst/>
+              <a:defRPr/>
+            </a:pPr>
+            <a:r>
+              <a:rPr lang="en-US" dirty="0"/>
+              <a:t>CNN model first has a convolutional layer for reading across the subsequence</a:t>
+            </a:r>
+          </a:p>
+          <a:p>
+            <a:pPr marL="171450" marR="0" lvl="0" indent="-171450" algn="l" defTabSz="914400" rtl="0" eaLnBrk="1" fontAlgn="auto" latinLnBrk="0" hangingPunct="1">
+              <a:lnSpc>
+                <a:spcPct val="100000"/>
+              </a:lnSpc>
+              <a:spcBef>
+                <a:spcPts val="0"/>
+              </a:spcBef>
+              <a:spcAft>
+                <a:spcPts val="0"/>
+              </a:spcAft>
+              <a:buClrTx/>
+              <a:buSzTx/>
+              <a:buFont typeface="Arial" panose="020B0604020202020204" pitchFamily="34" charset="0"/>
+              <a:buChar char="•"/>
+              <a:tabLst/>
+              <a:defRPr/>
+            </a:pPr>
+            <a:r>
+              <a:rPr lang="en-US" dirty="0"/>
+              <a:t>Convolution layer is followed by a max pooling layer that distills the filter maps down to 1/2 of their size that includes the most salient features</a:t>
+            </a:r>
+          </a:p>
+          <a:p>
+            <a:pPr marL="171450" marR="0" lvl="0" indent="-171450" algn="l" defTabSz="914400" rtl="0" eaLnBrk="1" fontAlgn="auto" latinLnBrk="0" hangingPunct="1">
+              <a:lnSpc>
+                <a:spcPct val="100000"/>
+              </a:lnSpc>
+              <a:spcBef>
+                <a:spcPts val="0"/>
+              </a:spcBef>
+              <a:spcAft>
+                <a:spcPts val="0"/>
+              </a:spcAft>
+              <a:buClrTx/>
+              <a:buSzTx/>
+              <a:buFont typeface="Arial" panose="020B0604020202020204" pitchFamily="34" charset="0"/>
+              <a:buChar char="•"/>
+              <a:tabLst/>
+              <a:defRPr/>
+            </a:pPr>
+            <a:r>
+              <a:rPr lang="en-US" dirty="0"/>
+              <a:t>These structures are then flattened down to a single one-dimensional vector to be used as a single input time step to the LSTM layer</a:t>
+            </a:r>
+          </a:p>
+          <a:p>
             <a:endParaRPr lang="en-US" dirty="0"/>
           </a:p>
         </p:txBody>
@@ -4234,13 +4349,302 @@
           <a:bodyPr/>
           <a:lstStyle/>
           <a:p>
+            <a:pPr marL="0" indent="0">
+              <a:buFont typeface="Arial" panose="020B0604020202020204" pitchFamily="34" charset="0"/>
+              <a:buNone/>
+            </a:pPr>
+            <a:r>
+              <a:rPr lang="en-US" dirty="0"/>
+              <a:t>Basic model set up’s:</a:t>
+            </a:r>
+          </a:p>
+          <a:p>
             <a:pPr marL="171450" indent="-171450">
               <a:buFont typeface="Arial" panose="020B0604020202020204" pitchFamily="34" charset="0"/>
               <a:buChar char="•"/>
             </a:pPr>
             <a:r>
               <a:rPr lang="en-US" dirty="0"/>
-              <a:t>Test data fitted to trained model and compared to raw data</a:t>
+              <a:t>SARIMA model used </a:t>
+            </a:r>
+            <a:r>
+              <a:rPr lang="en-US" dirty="0" err="1"/>
+              <a:t>auto_arima</a:t>
+            </a:r>
+            <a:r>
+              <a:rPr lang="en-US" dirty="0"/>
+              <a:t> to find ideal parameters</a:t>
+            </a:r>
+          </a:p>
+          <a:p>
+            <a:pPr marL="171450" indent="-171450">
+              <a:buFont typeface="Arial" panose="020B0604020202020204" pitchFamily="34" charset="0"/>
+              <a:buChar char="•"/>
+            </a:pPr>
+            <a:r>
+              <a:rPr lang="en-US" dirty="0"/>
+              <a:t>LSTM model </a:t>
+            </a:r>
+          </a:p>
+          <a:p>
+            <a:pPr marL="628650" lvl="1" indent="-171450">
+              <a:buFont typeface="Arial" panose="020B0604020202020204" pitchFamily="34" charset="0"/>
+              <a:buChar char="•"/>
+            </a:pPr>
+            <a:r>
+              <a:rPr lang="en-US" dirty="0"/>
+              <a:t>1. Data differenced</a:t>
+            </a:r>
+          </a:p>
+          <a:p>
+            <a:pPr marL="628650" lvl="1" indent="-171450">
+              <a:buFont typeface="Arial" panose="020B0604020202020204" pitchFamily="34" charset="0"/>
+              <a:buChar char="•"/>
+            </a:pPr>
+            <a:r>
+              <a:rPr lang="en-US" dirty="0"/>
+              <a:t>2. Data was transformed to be supervised learning - </a:t>
+            </a:r>
+            <a:r>
+              <a:rPr lang="en-US" b="0" i="0" dirty="0">
+                <a:solidFill>
+                  <a:srgbClr val="222222"/>
+                </a:solidFill>
+                <a:effectLst/>
+                <a:latin typeface="Roboto"/>
+              </a:rPr>
+              <a:t>the algorithm learns on a labeled dataset, providing an answer key that the algorithm can use to evaluate its accuracy on </a:t>
+            </a:r>
+            <a:r>
+              <a:rPr lang="en-US" b="1" i="0" dirty="0">
+                <a:solidFill>
+                  <a:srgbClr val="222222"/>
+                </a:solidFill>
+                <a:effectLst/>
+                <a:latin typeface="Roboto"/>
+              </a:rPr>
+              <a:t>training</a:t>
+            </a:r>
+            <a:r>
+              <a:rPr lang="en-US" b="0" i="0" dirty="0">
+                <a:solidFill>
+                  <a:srgbClr val="222222"/>
+                </a:solidFill>
+                <a:effectLst/>
+                <a:latin typeface="Roboto"/>
+              </a:rPr>
+              <a:t> data – used lag of +1</a:t>
+            </a:r>
+            <a:endParaRPr lang="en-US" dirty="0"/>
+          </a:p>
+          <a:p>
+            <a:pPr marL="628650" lvl="1" indent="-171450">
+              <a:buFont typeface="Arial" panose="020B0604020202020204" pitchFamily="34" charset="0"/>
+              <a:buChar char="•"/>
+            </a:pPr>
+            <a:r>
+              <a:rPr lang="en-US" dirty="0"/>
+              <a:t>3. Data split into train/test</a:t>
+            </a:r>
+          </a:p>
+          <a:p>
+            <a:pPr marL="628650" lvl="1" indent="-171450">
+              <a:buFont typeface="Arial" panose="020B0604020202020204" pitchFamily="34" charset="0"/>
+              <a:buChar char="•"/>
+            </a:pPr>
+            <a:r>
+              <a:rPr lang="en-US" dirty="0"/>
+              <a:t>4. Data was scaled to -1 to 1 to mimic the tanh layer</a:t>
+            </a:r>
+          </a:p>
+          <a:p>
+            <a:pPr marL="628650" lvl="1" indent="-171450">
+              <a:buFont typeface="Arial" panose="020B0604020202020204" pitchFamily="34" charset="0"/>
+              <a:buChar char="•"/>
+            </a:pPr>
+            <a:r>
+              <a:rPr lang="en-US" dirty="0"/>
+              <a:t>5. Data passed into </a:t>
+            </a:r>
+            <a:r>
+              <a:rPr lang="en-US" dirty="0" err="1"/>
+              <a:t>split_sequence</a:t>
+            </a:r>
+            <a:r>
+              <a:rPr lang="en-US" dirty="0"/>
+              <a:t> prior to passing into be fit</a:t>
+            </a:r>
+          </a:p>
+          <a:p>
+            <a:pPr marL="0" marR="0" lvl="0" indent="0" algn="l" defTabSz="914400" rtl="0" eaLnBrk="1" fontAlgn="auto" latinLnBrk="0" hangingPunct="1">
+              <a:lnSpc>
+                <a:spcPct val="100000"/>
+              </a:lnSpc>
+              <a:spcBef>
+                <a:spcPts val="0"/>
+              </a:spcBef>
+              <a:spcAft>
+                <a:spcPts val="0"/>
+              </a:spcAft>
+              <a:buClrTx/>
+              <a:buSzTx/>
+              <a:buFont typeface="Arial" panose="020B0604020202020204" pitchFamily="34" charset="0"/>
+              <a:buNone/>
+              <a:tabLst/>
+              <a:defRPr/>
+            </a:pPr>
+            <a:r>
+              <a:rPr lang="en-US" dirty="0"/>
+              <a:t>Train/Test set up:</a:t>
+            </a:r>
+          </a:p>
+          <a:p>
+            <a:pPr marL="171450" indent="-171450">
+              <a:buFont typeface="Arial" panose="020B0604020202020204" pitchFamily="34" charset="0"/>
+              <a:buChar char="•"/>
+            </a:pPr>
+            <a:r>
+              <a:rPr lang="en-US" dirty="0"/>
+              <a:t>Initially tested a few counties</a:t>
+            </a:r>
+          </a:p>
+          <a:p>
+            <a:pPr marL="171450" indent="-171450">
+              <a:buFont typeface="Arial" panose="020B0604020202020204" pitchFamily="34" charset="0"/>
+              <a:buChar char="•"/>
+            </a:pPr>
+            <a:r>
+              <a:rPr lang="en-US" dirty="0"/>
+              <a:t>Train/Test split can not be random due to being timeseries</a:t>
+            </a:r>
+          </a:p>
+          <a:p>
+            <a:pPr marL="171450" indent="-171450">
+              <a:buFont typeface="Arial" panose="020B0604020202020204" pitchFamily="34" charset="0"/>
+              <a:buChar char="•"/>
+            </a:pPr>
+            <a:r>
+              <a:rPr lang="en-US" dirty="0"/>
+              <a:t>Chose cutoff of 7/31 for train set</a:t>
+            </a:r>
+          </a:p>
+          <a:p>
+            <a:pPr marL="171450" indent="-171450">
+              <a:buFont typeface="Arial" panose="020B0604020202020204" pitchFamily="34" charset="0"/>
+              <a:buChar char="•"/>
+            </a:pPr>
+            <a:r>
+              <a:rPr lang="en-US" dirty="0"/>
+              <a:t>Test set was 8/1 – 10/3 when we initially pulled data</a:t>
+            </a:r>
+          </a:p>
+          <a:p>
+            <a:pPr marL="0" indent="0">
+              <a:buFont typeface="Arial" panose="020B0604020202020204" pitchFamily="34" charset="0"/>
+              <a:buNone/>
+            </a:pPr>
+            <a:r>
+              <a:rPr lang="en-US" dirty="0"/>
+              <a:t>Model runs:</a:t>
+            </a:r>
+          </a:p>
+          <a:p>
+            <a:pPr marL="171450" marR="0" lvl="0" indent="-171450" algn="l" defTabSz="914400" rtl="0" eaLnBrk="1" fontAlgn="auto" latinLnBrk="0" hangingPunct="1">
+              <a:lnSpc>
+                <a:spcPct val="100000"/>
+              </a:lnSpc>
+              <a:spcBef>
+                <a:spcPts val="0"/>
+              </a:spcBef>
+              <a:spcAft>
+                <a:spcPts val="0"/>
+              </a:spcAft>
+              <a:buClrTx/>
+              <a:buSzTx/>
+              <a:buFont typeface="Arial" panose="020B0604020202020204" pitchFamily="34" charset="0"/>
+              <a:buChar char="•"/>
+              <a:tabLst/>
+              <a:defRPr/>
+            </a:pPr>
+            <a:r>
+              <a:rPr lang="en-US" dirty="0"/>
+              <a:t>Initially tested a few counties</a:t>
+            </a:r>
+          </a:p>
+          <a:p>
+            <a:pPr marL="171450" indent="-171450">
+              <a:buFont typeface="Arial" panose="020B0604020202020204" pitchFamily="34" charset="0"/>
+              <a:buChar char="•"/>
+            </a:pPr>
+            <a:r>
+              <a:rPr lang="en-US" dirty="0"/>
+              <a:t>After looking at a few counties and adjusting some parameters – ran loop through all data for both cases and deaths to train both models then predict over the test interval</a:t>
+            </a:r>
+          </a:p>
+          <a:p>
+            <a:pPr marL="171450" marR="0" lvl="0" indent="-171450" algn="l" defTabSz="914400" rtl="0" eaLnBrk="1" fontAlgn="auto" latinLnBrk="0" hangingPunct="1">
+              <a:lnSpc>
+                <a:spcPct val="100000"/>
+              </a:lnSpc>
+              <a:spcBef>
+                <a:spcPts val="0"/>
+              </a:spcBef>
+              <a:spcAft>
+                <a:spcPts val="0"/>
+              </a:spcAft>
+              <a:buClrTx/>
+              <a:buSzTx/>
+              <a:buFont typeface="Arial" panose="020B0604020202020204" pitchFamily="34" charset="0"/>
+              <a:buChar char="•"/>
+              <a:tabLst/>
+              <a:defRPr/>
+            </a:pPr>
+            <a:r>
+              <a:rPr lang="en-US" dirty="0"/>
+              <a:t>Any counties that had 0 cases at 7/31 were taken out of loop ~ 4 counties</a:t>
+            </a:r>
+          </a:p>
+          <a:p>
+            <a:pPr marL="171450" marR="0" lvl="0" indent="-171450" algn="l" defTabSz="914400" rtl="0" eaLnBrk="1" fontAlgn="auto" latinLnBrk="0" hangingPunct="1">
+              <a:lnSpc>
+                <a:spcPct val="100000"/>
+              </a:lnSpc>
+              <a:spcBef>
+                <a:spcPts val="0"/>
+              </a:spcBef>
+              <a:spcAft>
+                <a:spcPts val="0"/>
+              </a:spcAft>
+              <a:buClrTx/>
+              <a:buSzTx/>
+              <a:buFont typeface="Arial" panose="020B0604020202020204" pitchFamily="34" charset="0"/>
+              <a:buChar char="•"/>
+              <a:tabLst/>
+              <a:defRPr/>
+            </a:pPr>
+            <a:r>
+              <a:rPr lang="en-US" dirty="0"/>
+              <a:t>Same with 0 death at 7/31 ~ 50 counties taken out</a:t>
+            </a:r>
+          </a:p>
+          <a:p>
+            <a:pPr marL="171450" indent="-171450">
+              <a:buFont typeface="Arial" panose="020B0604020202020204" pitchFamily="34" charset="0"/>
+              <a:buChar char="•"/>
+            </a:pPr>
+            <a:r>
+              <a:rPr lang="en-US" dirty="0"/>
+              <a:t>Also able to train SARIMA model on full data and use that for 90 day forecasting – this data is shown in the app</a:t>
+            </a:r>
+          </a:p>
+          <a:p>
+            <a:pPr marL="171450" indent="-171450">
+              <a:buFont typeface="Arial" panose="020B0604020202020204" pitchFamily="34" charset="0"/>
+              <a:buChar char="•"/>
+            </a:pPr>
+            <a:r>
+              <a:rPr lang="en-US" dirty="0"/>
+              <a:t>The case and death data from 10/3 – 10/19 was also downloaded and added to the database to compare these forecasts to actual date</a:t>
             </a:r>
           </a:p>
         </p:txBody>
@@ -4432,7 +4836,7 @@
             </a:pPr>
             <a:r>
               <a:rPr lang="en-US" dirty="0"/>
-              <a:t>histogram plot - A large skew may suggest the opportunity for performing a transform to the data prior to modeling, such as taking the log or square root</a:t>
+              <a:t>Large skews in histogram and/or outliers may suggest the opportunity for performing a transform to the data prior to modeling, such as taking the log or square root</a:t>
             </a:r>
           </a:p>
           <a:p>
@@ -4442,7 +4846,7 @@
             </a:pPr>
             <a:r>
               <a:rPr lang="en-US" dirty="0"/>
-              <a:t>Residual Q-Q Plot - look for outliers</a:t>
+              <a:t>Residuals were calculated and stored in database along w/ RMSE’s</a:t>
             </a:r>
           </a:p>
           <a:p>
@@ -4450,9 +4854,73 @@
               <a:buFont typeface="Arial" panose="020B0604020202020204" pitchFamily="34" charset="0"/>
               <a:buChar char="•"/>
             </a:pPr>
+            <a:endParaRPr lang="en-US" dirty="0"/>
+          </a:p>
+          <a:p>
+            <a:pPr marL="0" indent="0">
+              <a:buFont typeface="Arial" panose="020B0604020202020204" pitchFamily="34" charset="0"/>
+              <a:buNone/>
+            </a:pPr>
+            <a:endParaRPr lang="en-US" dirty="0"/>
+          </a:p>
+          <a:p>
+            <a:pPr marL="171450" indent="-171450">
+              <a:buFont typeface="Arial" panose="020B0604020202020204" pitchFamily="34" charset="0"/>
+              <a:buChar char="•"/>
+            </a:pPr>
+            <a:r>
+              <a:rPr lang="en-US" dirty="0"/>
+              <a:t>histogram plot - A large skew may suggest the opportunity for performing a transform to the data prior to modeling, such as taking the log or square root</a:t>
+            </a:r>
+          </a:p>
+          <a:p>
+            <a:pPr marL="171450" indent="-171450">
+              <a:buFont typeface="Arial" panose="020B0604020202020204" pitchFamily="34" charset="0"/>
+              <a:buChar char="•"/>
+            </a:pPr>
+            <a:r>
+              <a:rPr lang="en-US" dirty="0"/>
+              <a:t>Residual Q-Q Plot - look for outliers</a:t>
+            </a:r>
+          </a:p>
+          <a:p>
+            <a:pPr marL="171450" indent="-171450">
+              <a:buFont typeface="Arial" panose="020B0604020202020204" pitchFamily="34" charset="0"/>
+              <a:buChar char="•"/>
+            </a:pPr>
             <a:r>
               <a:rPr lang="en-US" dirty="0"/>
               <a:t>Residual Autocorrelation plot - look for obvious autocorrelations at certain lags</a:t>
+            </a:r>
+          </a:p>
+          <a:p>
+            <a:pPr marL="171450" indent="-171450">
+              <a:buFont typeface="Arial" panose="020B0604020202020204" pitchFamily="34" charset="0"/>
+              <a:buChar char="•"/>
+            </a:pPr>
+            <a:r>
+              <a:rPr lang="en-US" dirty="0"/>
+              <a:t>Bexar County – FIPS 48029</a:t>
+            </a:r>
+          </a:p>
+          <a:p>
+            <a:pPr marL="171450" indent="-171450">
+              <a:buFont typeface="Arial" panose="020B0604020202020204" pitchFamily="34" charset="0"/>
+              <a:buChar char="•"/>
+            </a:pPr>
+            <a:r>
+              <a:rPr lang="en-US" dirty="0"/>
+              <a:t>RMSE of SARIMA – 26936.7332093663</a:t>
+            </a:r>
+          </a:p>
+          <a:p>
+            <a:pPr marL="171450" indent="-171450">
+              <a:buFont typeface="Arial" panose="020B0604020202020204" pitchFamily="34" charset="0"/>
+              <a:buChar char="•"/>
+            </a:pPr>
+            <a:r>
+              <a:rPr lang="en-US" dirty="0"/>
+              <a:t>RMSE of LSTM - 674.947763175809</a:t>
             </a:r>
           </a:p>
         </p:txBody>
@@ -4677,26 +5145,6 @@
               <a:t>histogram plot - A large skew may suggest the opportunity for performing a transform to the data prior to modeling, such as taking the log or square root</a:t>
             </a:r>
           </a:p>
-          <a:p>
-            <a:pPr marL="171450" indent="-171450">
-              <a:buFont typeface="Arial" panose="020B0604020202020204" pitchFamily="34" charset="0"/>
-              <a:buChar char="•"/>
-            </a:pPr>
-            <a:r>
-              <a:rPr lang="en-US" dirty="0"/>
-              <a:t>Residual Q-Q Plot - look for outliers</a:t>
-            </a:r>
-          </a:p>
-          <a:p>
-            <a:pPr marL="171450" indent="-171450">
-              <a:buFont typeface="Arial" panose="020B0604020202020204" pitchFamily="34" charset="0"/>
-              <a:buChar char="•"/>
-            </a:pPr>
-            <a:r>
-              <a:rPr lang="en-US" dirty="0"/>
-              <a:t>Residual Autocorrelation plot - look for obvious autocorrelations at certain lags</a:t>
-            </a:r>
-          </a:p>
         </p:txBody>
       </p:sp>
       <p:sp>
@@ -4783,40 +5231,7 @@
               <a:buFont typeface="Arial" panose="020B0604020202020204" pitchFamily="34" charset="0"/>
               <a:buChar char="•"/>
             </a:pPr>
-            <a:r>
-              <a:rPr lang="en-US" dirty="0"/>
-              <a:t>residuals - look for trend, seasonal or cyclic structure</a:t>
-            </a:r>
-          </a:p>
-          <a:p>
-            <a:pPr marL="171450" indent="-171450">
-              <a:buFont typeface="Arial" panose="020B0604020202020204" pitchFamily="34" charset="0"/>
-              <a:buChar char="•"/>
-            </a:pPr>
-            <a:r>
-              <a:rPr lang="en-US" dirty="0"/>
-              <a:t>histogram plot - A large skew may suggest the opportunity for performing a transform to the data prior to modeling, such as taking the log or square root</a:t>
-            </a:r>
-          </a:p>
-          <a:p>
-            <a:pPr marL="171450" indent="-171450">
-              <a:buFont typeface="Arial" panose="020B0604020202020204" pitchFamily="34" charset="0"/>
-              <a:buChar char="•"/>
-            </a:pPr>
-            <a:r>
-              <a:rPr lang="en-US" dirty="0"/>
-              <a:t>Residual Q-Q Plot - look for outliers</a:t>
-            </a:r>
-          </a:p>
-          <a:p>
-            <a:pPr marL="171450" indent="-171450">
-              <a:buFont typeface="Arial" panose="020B0604020202020204" pitchFamily="34" charset="0"/>
-              <a:buChar char="•"/>
-            </a:pPr>
-            <a:r>
-              <a:rPr lang="en-US" dirty="0"/>
-              <a:t>Residual Autocorrelation plot - look for obvious autocorrelations at certain lags</a:t>
-            </a:r>
+            <a:endParaRPr lang="en-US" dirty="0"/>
           </a:p>
         </p:txBody>
       </p:sp>
@@ -4984,37 +5399,77 @@
           <a:bodyPr/>
           <a:lstStyle/>
           <a:p>
-            <a:r>
-              <a:rPr lang="en-US" dirty="0"/>
-              <a:t>There is also a SARIMAX model which can include multiple other endogenous variables.</a:t>
-            </a:r>
-          </a:p>
-          <a:p>
-            <a:endParaRPr lang="en-US" dirty="0"/>
-          </a:p>
-          <a:p>
-            <a:endParaRPr lang="en-US" dirty="0"/>
-          </a:p>
-          <a:p>
-            <a:r>
-              <a:rPr lang="en-US" dirty="0"/>
-              <a:t>All these parameters can be autotuned with a module from the </a:t>
-            </a:r>
-            <a:r>
-              <a:rPr lang="en-US" dirty="0" err="1"/>
-              <a:t>pmdarima</a:t>
-            </a:r>
-            <a:r>
-              <a:rPr lang="en-US" dirty="0"/>
-              <a:t> library called </a:t>
-            </a:r>
-            <a:r>
-              <a:rPr lang="en-US" dirty="0" err="1"/>
-              <a:t>auto_arima</a:t>
-            </a:r>
-            <a:r>
-              <a:rPr lang="en-US" dirty="0"/>
-              <a:t>.</a:t>
+            <a:pPr algn="l"/>
+            <a:br>
+              <a:rPr lang="en-US" b="1" i="0" dirty="0">
+                <a:solidFill>
+                  <a:srgbClr val="000000"/>
+                </a:solidFill>
+                <a:effectLst/>
+                <a:latin typeface="inherit"/>
+              </a:rPr>
+            </a:br>
+            <a:r>
+              <a:rPr lang="en-US" b="1" i="0" dirty="0">
+                <a:solidFill>
+                  <a:srgbClr val="000000"/>
+                </a:solidFill>
+                <a:effectLst/>
+                <a:latin typeface="inherit"/>
+              </a:rPr>
+              <a:t>ADF Test - let the algorithm compute the optimal lag number iteratively by setting the </a:t>
+            </a:r>
+            <a:r>
+              <a:rPr lang="en-US" b="1" i="0" dirty="0" err="1">
+                <a:solidFill>
+                  <a:srgbClr val="000000"/>
+                </a:solidFill>
+                <a:effectLst/>
+                <a:latin typeface="inherit"/>
+              </a:rPr>
+              <a:t>autolag</a:t>
+            </a:r>
+            <a:r>
+              <a:rPr lang="en-US" b="1" i="0" dirty="0">
+                <a:solidFill>
+                  <a:srgbClr val="000000"/>
+                </a:solidFill>
+                <a:effectLst/>
+                <a:latin typeface="inherit"/>
+              </a:rPr>
+              <a:t>='AIC’</a:t>
+            </a:r>
+          </a:p>
+          <a:p>
+            <a:pPr marL="171450" indent="-171450" algn="just">
+              <a:buFont typeface="Arial" panose="020B0604020202020204" pitchFamily="34" charset="0"/>
+              <a:buChar char="•"/>
+            </a:pPr>
+            <a:r>
+              <a:rPr lang="en-US" b="0" i="0" dirty="0">
+                <a:solidFill>
+                  <a:srgbClr val="000000"/>
+                </a:solidFill>
+                <a:effectLst/>
+                <a:latin typeface="Helvetica Neue"/>
+              </a:rPr>
+              <a:t>Want p-value less than significance level of 0.05 and the ADF statistic lower than the critical values to be able to reject the null hypothesis </a:t>
+            </a:r>
+          </a:p>
+          <a:p>
+            <a:pPr marL="628650" lvl="1" indent="-171450" algn="just">
+              <a:buFont typeface="Arial" panose="020B0604020202020204" pitchFamily="34" charset="0"/>
+              <a:buChar char="•"/>
+            </a:pPr>
+            <a:r>
+              <a:rPr lang="en-US" b="0" i="0" dirty="0">
+                <a:solidFill>
+                  <a:srgbClr val="000000"/>
+                </a:solidFill>
+                <a:effectLst/>
+                <a:latin typeface="Helvetica Neue"/>
+              </a:rPr>
+              <a:t>If so the time series is stationary</a:t>
             </a:r>
           </a:p>
           <a:p>
@@ -5102,40 +5557,6 @@
           <a:bodyPr/>
           <a:lstStyle/>
           <a:p>
-            <a:r>
-              <a:rPr lang="en-US" dirty="0"/>
-              <a:t>There is also a SARIMAX model which can include multiple other endogenous variables.</a:t>
-            </a:r>
-          </a:p>
-          <a:p>
-            <a:endParaRPr lang="en-US" dirty="0"/>
-          </a:p>
-          <a:p>
-            <a:endParaRPr lang="en-US" dirty="0"/>
-          </a:p>
-          <a:p>
-            <a:r>
-              <a:rPr lang="en-US" dirty="0"/>
-              <a:t>All these parameters can be autotuned with a module from the </a:t>
-            </a:r>
-            <a:r>
-              <a:rPr lang="en-US" dirty="0" err="1"/>
-              <a:t>pmdarima</a:t>
-            </a:r>
-            <a:r>
-              <a:rPr lang="en-US" dirty="0"/>
-              <a:t> library called </a:t>
-            </a:r>
-            <a:r>
-              <a:rPr lang="en-US" dirty="0" err="1"/>
-              <a:t>auto_arima</a:t>
-            </a:r>
-            <a:r>
-              <a:rPr lang="en-US" dirty="0"/>
-              <a:t>.</a:t>
-            </a:r>
-          </a:p>
-          <a:p>
             <a:endParaRPr lang="en-US" dirty="0"/>
           </a:p>
         </p:txBody>
@@ -5220,75 +5641,6 @@
           <a:bodyPr/>
           <a:lstStyle/>
           <a:p>
-            <a:r>
-              <a:rPr lang="en-US" dirty="0"/>
-              <a:t>The SARIMA model is built off of the ARIMA model</a:t>
-            </a:r>
-          </a:p>
-          <a:p>
-            <a:r>
-              <a:rPr lang="en-US" dirty="0"/>
-              <a:t>ARIMA stands for Autoregressive Integrated Moving Average</a:t>
-            </a:r>
-          </a:p>
-          <a:p>
-            <a:endParaRPr lang="en-US" dirty="0"/>
-          </a:p>
-          <a:p>
-            <a:r>
-              <a:rPr lang="en-US" dirty="0"/>
-              <a:t>Autoregressive = </a:t>
-            </a:r>
-          </a:p>
-          <a:p>
-            <a:endParaRPr lang="en-US" dirty="0"/>
-          </a:p>
-          <a:p>
-            <a:r>
-              <a:rPr lang="en-US" dirty="0"/>
-              <a:t>Moving Average elements= </a:t>
-            </a:r>
-          </a:p>
-          <a:p>
-            <a:r>
-              <a:rPr lang="en-US" dirty="0"/>
-              <a:t>Hyperparameter=</a:t>
-            </a:r>
-          </a:p>
-          <a:p>
-            <a:endParaRPr lang="en-US" dirty="0"/>
-          </a:p>
-          <a:p>
-            <a:r>
-              <a:rPr lang="en-US" dirty="0"/>
-              <a:t>Integrated refers to the differencing, which allows this method to handle data with a trend.</a:t>
-            </a:r>
-          </a:p>
-          <a:p>
-            <a:endParaRPr lang="en-US" dirty="0"/>
-          </a:p>
-          <a:p>
-            <a:r>
-              <a:rPr lang="en-US" dirty="0"/>
-              <a:t>ARIMA expects that data is either not seasonal or has been seasonally adjusted.</a:t>
-            </a:r>
-          </a:p>
-          <a:p>
-            <a:endParaRPr lang="en-US" dirty="0"/>
-          </a:p>
-          <a:p>
-            <a:r>
-              <a:rPr lang="en-US" dirty="0"/>
-              <a:t>SARIMA model is an extension of ARIMA allows input data to contain seasonality and trends, so substantially less pre-processing is required because the model itself takes care of that.</a:t>
-            </a:r>
-          </a:p>
-          <a:p>
-            <a:r>
-              <a:rPr lang="en-US" dirty="0"/>
-              <a:t>It contains three hyperparameters to specify the Autoregression (AR), differencing (I) and moving average (MA) for the seasonal components of the series as well as an additional parameter for the period of seasonality.</a:t>
-            </a:r>
-          </a:p>
-          <a:p>
             <a:endParaRPr lang="en-US" dirty="0"/>
           </a:p>
         </p:txBody>
@@ -5377,10 +5729,7 @@
               <a:buFont typeface="Arial" panose="020B0604020202020204" pitchFamily="34" charset="0"/>
               <a:buChar char="•"/>
             </a:pPr>
-            <a:r>
-              <a:rPr lang="en-US" dirty="0"/>
-              <a:t>Test data fitted to trained model and compared to raw data</a:t>
-            </a:r>
+            <a:endParaRPr lang="en-US" dirty="0"/>
           </a:p>
         </p:txBody>
       </p:sp>
@@ -5841,121 +6190,11 @@
               <a:rPr lang="en-US" dirty="0"/>
               <a:t>CNN (convolutional neural network) – can be very effective at learning features from one-dimensional sequence data</a:t>
             </a:r>
-          </a:p>
-          <a:p>
-            <a:pPr marL="171450" marR="0" lvl="0" indent="-171450" algn="l" defTabSz="914400" rtl="0" eaLnBrk="1" fontAlgn="auto" latinLnBrk="0" hangingPunct="1">
-              <a:lnSpc>
-                <a:spcPct val="100000"/>
-              </a:lnSpc>
-              <a:spcBef>
-                <a:spcPts val="0"/>
-              </a:spcBef>
-              <a:spcAft>
-                <a:spcPts val="0"/>
-              </a:spcAft>
-              <a:buClrTx/>
-              <a:buSzTx/>
-              <a:buFont typeface="Arial" panose="020B0604020202020204" pitchFamily="34" charset="0"/>
-              <a:buChar char="•"/>
-              <a:tabLst/>
-              <a:defRPr/>
-            </a:pPr>
-            <a:r>
-              <a:rPr lang="en-US" dirty="0"/>
-              <a:t>Input sequences are split into subsequences that can be processed by the CNN</a:t>
-            </a:r>
-          </a:p>
-          <a:p>
-            <a:pPr marL="171450" marR="0" lvl="0" indent="-171450" algn="l" defTabSz="914400" rtl="0" eaLnBrk="1" fontAlgn="auto" latinLnBrk="0" hangingPunct="1">
-              <a:lnSpc>
-                <a:spcPct val="100000"/>
-              </a:lnSpc>
-              <a:spcBef>
-                <a:spcPts val="0"/>
-              </a:spcBef>
-              <a:spcAft>
-                <a:spcPts val="0"/>
-              </a:spcAft>
-              <a:buClrTx/>
-              <a:buSzTx/>
-              <a:buFont typeface="Arial" panose="020B0604020202020204" pitchFamily="34" charset="0"/>
-              <a:buChar char="•"/>
-              <a:tabLst/>
-              <a:defRPr/>
-            </a:pPr>
-            <a:r>
-              <a:rPr lang="en-US" dirty="0"/>
-              <a:t>The CNN can interpret each subsequence of two time steps and provide a time series of interpretations of the subsequences to the LSTM model to process as input</a:t>
-            </a:r>
-          </a:p>
-          <a:p>
-            <a:pPr marL="171450" marR="0" lvl="0" indent="-171450" algn="l" defTabSz="914400" rtl="0" eaLnBrk="1" fontAlgn="auto" latinLnBrk="0" hangingPunct="1">
-              <a:lnSpc>
-                <a:spcPct val="100000"/>
-              </a:lnSpc>
-              <a:spcBef>
-                <a:spcPts val="0"/>
-              </a:spcBef>
-              <a:spcAft>
-                <a:spcPts val="0"/>
-              </a:spcAft>
-              <a:buClrTx/>
-              <a:buSzTx/>
-              <a:buFont typeface="Arial" panose="020B0604020202020204" pitchFamily="34" charset="0"/>
-              <a:buChar char="•"/>
-              <a:tabLst/>
-              <a:defRPr/>
-            </a:pPr>
-            <a:r>
-              <a:rPr lang="en-US" dirty="0"/>
-              <a:t>CNN model first has a convolutional layer for reading across the subsequence</a:t>
-            </a:r>
-          </a:p>
-          <a:p>
-            <a:pPr marL="171450" marR="0" lvl="0" indent="-171450" algn="l" defTabSz="914400" rtl="0" eaLnBrk="1" fontAlgn="auto" latinLnBrk="0" hangingPunct="1">
-              <a:lnSpc>
-                <a:spcPct val="100000"/>
-              </a:lnSpc>
-              <a:spcBef>
-                <a:spcPts val="0"/>
-              </a:spcBef>
-              <a:spcAft>
-                <a:spcPts val="0"/>
-              </a:spcAft>
-              <a:buClrTx/>
-              <a:buSzTx/>
-              <a:buFont typeface="Arial" panose="020B0604020202020204" pitchFamily="34" charset="0"/>
-              <a:buChar char="•"/>
-              <a:tabLst/>
-              <a:defRPr/>
-            </a:pPr>
-            <a:r>
-              <a:rPr lang="en-US" dirty="0"/>
-              <a:t>Convolution layer is followed by a max pooling layer that distills the filter maps down to 1/2 of their size that includes the most salient features</a:t>
-            </a:r>
-          </a:p>
-          <a:p>
-            <a:pPr marL="171450" marR="0" lvl="0" indent="-171450" algn="l" defTabSz="914400" rtl="0" eaLnBrk="1" fontAlgn="auto" latinLnBrk="0" hangingPunct="1">
-              <a:lnSpc>
-                <a:spcPct val="100000"/>
-              </a:lnSpc>
-              <a:spcBef>
-                <a:spcPts val="0"/>
-              </a:spcBef>
-              <a:spcAft>
-                <a:spcPts val="0"/>
-              </a:spcAft>
-              <a:buClrTx/>
-              <a:buSzTx/>
-              <a:buFont typeface="Arial" panose="020B0604020202020204" pitchFamily="34" charset="0"/>
-              <a:buChar char="•"/>
-              <a:tabLst/>
-              <a:defRPr/>
-            </a:pPr>
-            <a:r>
-              <a:rPr lang="en-US" dirty="0"/>
-              <a:t>These structures are then flattened down to a single one-dimensional vector to be used as a single input time step to the LSTM layer</a:t>
-            </a:r>
+            <a:endParaRPr lang="en-US" sz="1200" dirty="0">
+              <a:solidFill>
+                <a:srgbClr val="000000"/>
+              </a:solidFill>
+            </a:endParaRPr>
           </a:p>
           <a:p>
             <a:pPr marL="171450" marR="0" lvl="0" indent="-171450" algn="l" defTabSz="914400" rtl="0" eaLnBrk="1" fontAlgn="auto" latinLnBrk="0" hangingPunct="1">
@@ -6193,7 +6432,7 @@
           <a:p>
             <a:fld id="{0DAF61AA-5A98-4049-A93E-477E5505141A}" type="datetimeFigureOut">
               <a:rPr lang="en-US" smtClean="0"/>
-              <a:t>10/21/2020</a:t>
+              <a:t>10/24/2020</a:t>
             </a:fld>
             <a:endParaRPr lang="en-US" dirty="0"/>
           </a:p>
@@ -6391,7 +6630,7 @@
           <a:p>
             <a:fld id="{0DAF61AA-5A98-4049-A93E-477E5505141A}" type="datetimeFigureOut">
               <a:rPr lang="en-US" smtClean="0"/>
-              <a:t>10/21/2020</a:t>
+              <a:t>10/24/2020</a:t>
             </a:fld>
             <a:endParaRPr lang="en-US"/>
           </a:p>
@@ -6599,7 +6838,7 @@
           <a:p>
             <a:fld id="{0DAF61AA-5A98-4049-A93E-477E5505141A}" type="datetimeFigureOut">
               <a:rPr lang="en-US" smtClean="0"/>
-              <a:t>10/21/2020</a:t>
+              <a:t>10/24/2020</a:t>
             </a:fld>
             <a:endParaRPr lang="en-US"/>
           </a:p>
@@ -6797,7 +7036,7 @@
           <a:p>
             <a:fld id="{0DAF61AA-5A98-4049-A93E-477E5505141A}" type="datetimeFigureOut">
               <a:rPr lang="en-US" smtClean="0"/>
-              <a:t>10/21/2020</a:t>
+              <a:t>10/24/2020</a:t>
             </a:fld>
             <a:endParaRPr lang="en-US"/>
           </a:p>
@@ -7072,7 +7311,7 @@
           <a:p>
             <a:fld id="{0DAF61AA-5A98-4049-A93E-477E5505141A}" type="datetimeFigureOut">
               <a:rPr lang="en-US" smtClean="0"/>
-              <a:t>10/21/2020</a:t>
+              <a:t>10/24/2020</a:t>
             </a:fld>
             <a:endParaRPr lang="en-US"/>
           </a:p>
@@ -7337,7 +7576,7 @@
           <a:p>
             <a:fld id="{0DAF61AA-5A98-4049-A93E-477E5505141A}" type="datetimeFigureOut">
               <a:rPr lang="en-US" smtClean="0"/>
-              <a:t>10/21/2020</a:t>
+              <a:t>10/24/2020</a:t>
             </a:fld>
             <a:endParaRPr lang="en-US"/>
           </a:p>
@@ -7749,7 +7988,7 @@
           <a:p>
             <a:fld id="{0DAF61AA-5A98-4049-A93E-477E5505141A}" type="datetimeFigureOut">
               <a:rPr lang="en-US" smtClean="0"/>
-              <a:t>10/21/2020</a:t>
+              <a:t>10/24/2020</a:t>
             </a:fld>
             <a:endParaRPr lang="en-US"/>
           </a:p>
@@ -7890,7 +8129,7 @@
           <a:p>
             <a:fld id="{0DAF61AA-5A98-4049-A93E-477E5505141A}" type="datetimeFigureOut">
               <a:rPr lang="en-US" smtClean="0"/>
-              <a:t>10/21/2020</a:t>
+              <a:t>10/24/2020</a:t>
             </a:fld>
             <a:endParaRPr lang="en-US"/>
           </a:p>
@@ -8003,7 +8242,7 @@
           <a:p>
             <a:fld id="{0DAF61AA-5A98-4049-A93E-477E5505141A}" type="datetimeFigureOut">
               <a:rPr lang="en-US" smtClean="0"/>
-              <a:t>10/21/2020</a:t>
+              <a:t>10/24/2020</a:t>
             </a:fld>
             <a:endParaRPr lang="en-US"/>
           </a:p>
@@ -8314,7 +8553,7 @@
           <a:p>
             <a:fld id="{0DAF61AA-5A98-4049-A93E-477E5505141A}" type="datetimeFigureOut">
               <a:rPr lang="en-US" smtClean="0"/>
-              <a:t>10/21/2020</a:t>
+              <a:t>10/24/2020</a:t>
             </a:fld>
             <a:endParaRPr lang="en-US"/>
           </a:p>
@@ -8602,7 +8841,7 @@
           <a:p>
             <a:fld id="{0DAF61AA-5A98-4049-A93E-477E5505141A}" type="datetimeFigureOut">
               <a:rPr lang="en-US" smtClean="0"/>
-              <a:t>10/21/2020</a:t>
+              <a:t>10/24/2020</a:t>
             </a:fld>
             <a:endParaRPr lang="en-US"/>
           </a:p>
@@ -8844,7 +9083,7 @@
             <a:fld id="{0DAF61AA-5A98-4049-A93E-477E5505141A}" type="datetimeFigureOut">
               <a:rPr lang="en-US" smtClean="0"/>
               <a:pPr/>
-              <a:t>10/21/2020</a:t>
+              <a:t>10/24/2020</a:t>
             </a:fld>
             <a:endParaRPr lang="en-US" dirty="0"/>
           </a:p>
